--- a/zkdoc/styleguide/components/separator-ivan.pptx
+++ b/zkdoc/styleguide/components/separator-ivan.pptx
@@ -289,7 +289,7 @@
             <a:fld id="{1D8BD707-D9CF-40AE-B4C6-C98DA3205C09}" type="datetimeFigureOut">
               <a:rPr lang="en-US" smtClean="0"/>
               <a:pPr/>
-              <a:t>4/23/2008</a:t>
+              <a:t>4/28/2008</a:t>
             </a:fld>
             <a:endParaRPr lang="en-US"/>
           </a:p>
@@ -456,7 +456,7 @@
             <a:fld id="{1D8BD707-D9CF-40AE-B4C6-C98DA3205C09}" type="datetimeFigureOut">
               <a:rPr lang="en-US" smtClean="0"/>
               <a:pPr/>
-              <a:t>4/23/2008</a:t>
+              <a:t>4/28/2008</a:t>
             </a:fld>
             <a:endParaRPr lang="en-US"/>
           </a:p>
@@ -633,7 +633,7 @@
             <a:fld id="{1D8BD707-D9CF-40AE-B4C6-C98DA3205C09}" type="datetimeFigureOut">
               <a:rPr lang="en-US" smtClean="0"/>
               <a:pPr/>
-              <a:t>4/23/2008</a:t>
+              <a:t>4/28/2008</a:t>
             </a:fld>
             <a:endParaRPr lang="en-US"/>
           </a:p>
@@ -800,7 +800,7 @@
             <a:fld id="{1D8BD707-D9CF-40AE-B4C6-C98DA3205C09}" type="datetimeFigureOut">
               <a:rPr lang="en-US" smtClean="0"/>
               <a:pPr/>
-              <a:t>4/23/2008</a:t>
+              <a:t>4/28/2008</a:t>
             </a:fld>
             <a:endParaRPr lang="en-US"/>
           </a:p>
@@ -1043,7 +1043,7 @@
             <a:fld id="{1D8BD707-D9CF-40AE-B4C6-C98DA3205C09}" type="datetimeFigureOut">
               <a:rPr lang="en-US" smtClean="0"/>
               <a:pPr/>
-              <a:t>4/23/2008</a:t>
+              <a:t>4/28/2008</a:t>
             </a:fld>
             <a:endParaRPr lang="en-US"/>
           </a:p>
@@ -1328,7 +1328,7 @@
             <a:fld id="{1D8BD707-D9CF-40AE-B4C6-C98DA3205C09}" type="datetimeFigureOut">
               <a:rPr lang="en-US" smtClean="0"/>
               <a:pPr/>
-              <a:t>4/23/2008</a:t>
+              <a:t>4/28/2008</a:t>
             </a:fld>
             <a:endParaRPr lang="en-US"/>
           </a:p>
@@ -1747,7 +1747,7 @@
             <a:fld id="{1D8BD707-D9CF-40AE-B4C6-C98DA3205C09}" type="datetimeFigureOut">
               <a:rPr lang="en-US" smtClean="0"/>
               <a:pPr/>
-              <a:t>4/23/2008</a:t>
+              <a:t>4/28/2008</a:t>
             </a:fld>
             <a:endParaRPr lang="en-US"/>
           </a:p>
@@ -1862,7 +1862,7 @@
             <a:fld id="{1D8BD707-D9CF-40AE-B4C6-C98DA3205C09}" type="datetimeFigureOut">
               <a:rPr lang="en-US" smtClean="0"/>
               <a:pPr/>
-              <a:t>4/23/2008</a:t>
+              <a:t>4/28/2008</a:t>
             </a:fld>
             <a:endParaRPr lang="en-US"/>
           </a:p>
@@ -1954,7 +1954,7 @@
             <a:fld id="{1D8BD707-D9CF-40AE-B4C6-C98DA3205C09}" type="datetimeFigureOut">
               <a:rPr lang="en-US" smtClean="0"/>
               <a:pPr/>
-              <a:t>4/23/2008</a:t>
+              <a:t>4/28/2008</a:t>
             </a:fld>
             <a:endParaRPr lang="en-US"/>
           </a:p>
@@ -2228,7 +2228,7 @@
             <a:fld id="{1D8BD707-D9CF-40AE-B4C6-C98DA3205C09}" type="datetimeFigureOut">
               <a:rPr lang="en-US" smtClean="0"/>
               <a:pPr/>
-              <a:t>4/23/2008</a:t>
+              <a:t>4/28/2008</a:t>
             </a:fld>
             <a:endParaRPr lang="en-US"/>
           </a:p>
@@ -2478,7 +2478,7 @@
             <a:fld id="{1D8BD707-D9CF-40AE-B4C6-C98DA3205C09}" type="datetimeFigureOut">
               <a:rPr lang="en-US" smtClean="0"/>
               <a:pPr/>
-              <a:t>4/23/2008</a:t>
+              <a:t>4/28/2008</a:t>
             </a:fld>
             <a:endParaRPr lang="en-US"/>
           </a:p>
@@ -2688,7 +2688,7 @@
             <a:fld id="{1D8BD707-D9CF-40AE-B4C6-C98DA3205C09}" type="datetimeFigureOut">
               <a:rPr lang="en-US" smtClean="0"/>
               <a:pPr/>
-              <a:t>4/23/2008</a:t>
+              <a:t>4/28/2008</a:t>
             </a:fld>
             <a:endParaRPr lang="en-US"/>
           </a:p>
@@ -3067,7 +3067,7 @@
         </p:nvSpPr>
         <p:spPr>
           <a:xfrm>
-            <a:off x="2895600" y="1600200"/>
+            <a:off x="2895600" y="2590800"/>
             <a:ext cx="3048000" cy="838200"/>
           </a:xfrm>
           <a:prstGeom prst="rect">
@@ -3188,7 +3188,7 @@
           </a:lstStyle>
           <a:p>
             <a:pPr algn="ctr"/>
-            <a:endParaRPr lang="en-US" dirty="0"/>
+            <a:endParaRPr lang="en-US"/>
           </a:p>
         </p:txBody>
       </p:sp>
@@ -3200,7 +3200,7 @@
         </p:nvSpPr>
         <p:spPr>
           <a:xfrm>
-            <a:off x="3114675" y="1952625"/>
+            <a:off x="3114675" y="2943225"/>
             <a:ext cx="2667000" cy="152400"/>
           </a:xfrm>
           <a:prstGeom prst="rect">
@@ -3321,7 +3321,7 @@
           </a:lstStyle>
           <a:p>
             <a:pPr algn="ctr"/>
-            <a:endParaRPr lang="en-US" dirty="0"/>
+            <a:endParaRPr lang="en-US"/>
           </a:p>
         </p:txBody>
       </p:sp>
@@ -3333,7 +3333,7 @@
         </p:nvSpPr>
         <p:spPr>
           <a:xfrm>
-            <a:off x="3124200" y="884502"/>
+            <a:off x="3124200" y="1875102"/>
             <a:ext cx="2209800" cy="381000"/>
           </a:xfrm>
           <a:prstGeom prst="rect">
@@ -3453,22 +3453,22 @@
           </a:lstStyle>
           <a:p>
             <a:r>
-              <a:rPr lang="en-US" altLang="zh-TW" dirty="0" err="1" smtClean="0"/>
+              <a:rPr lang="en-US" altLang="zh-TW" err="1" smtClean="0"/>
               <a:t>div.hsep</a:t>
             </a:r>
             <a:r>
-              <a:rPr lang="en-US" altLang="zh-TW" dirty="0" smtClean="0"/>
+              <a:rPr lang="en-US" altLang="zh-TW" smtClean="0"/>
               <a:t>, </a:t>
             </a:r>
             <a:r>
-              <a:rPr lang="en-US" altLang="zh-TW" dirty="0" err="1" smtClean="0"/>
+              <a:rPr lang="en-US" altLang="zh-TW" err="1" smtClean="0"/>
               <a:t>div.hsep</a:t>
             </a:r>
             <a:r>
-              <a:rPr lang="en-US" altLang="zh-TW" dirty="0" smtClean="0"/>
+              <a:rPr lang="en-US" altLang="zh-TW" smtClean="0"/>
               <a:t>-bar</a:t>
             </a:r>
-            <a:endParaRPr lang="zh-TW" dirty="0"/>
+            <a:endParaRPr lang="zh-TW"/>
           </a:p>
         </p:txBody>
       </p:sp>
@@ -3483,7 +3483,7 @@
         </p:nvCxnSpPr>
         <p:spPr>
           <a:xfrm rot="16200000" flipH="1">
-            <a:off x="4157001" y="1337601"/>
+            <a:off x="4157001" y="2328201"/>
             <a:ext cx="334698" cy="190500"/>
           </a:xfrm>
           <a:prstGeom prst="line">
@@ -3521,7 +3521,7 @@
         </p:blipFill>
         <p:spPr>
           <a:xfrm>
-            <a:off x="3200400" y="2027502"/>
+            <a:off x="3200400" y="3018102"/>
             <a:ext cx="2520000" cy="34028"/>
           </a:xfrm>
           <a:prstGeom prst="rect">
@@ -3540,7 +3540,7 @@
         </p:nvSpPr>
         <p:spPr>
           <a:xfrm>
-            <a:off x="6172200" y="1371600"/>
+            <a:off x="6172200" y="2362200"/>
             <a:ext cx="1371600" cy="304800"/>
           </a:xfrm>
           <a:prstGeom prst="rect">
@@ -3660,14 +3660,14 @@
           </a:lstStyle>
           <a:p>
             <a:r>
-              <a:rPr lang="en-US" altLang="zh-TW" dirty="0" err="1" smtClean="0"/>
+              <a:rPr lang="en-US" altLang="zh-TW" err="1" smtClean="0"/>
               <a:t>div.hsep</a:t>
             </a:r>
             <a:r>
-              <a:rPr lang="en-US" altLang="zh-TW" dirty="0" smtClean="0"/>
+              <a:rPr lang="en-US" altLang="zh-TW" smtClean="0"/>
               <a:t>-bar</a:t>
             </a:r>
-            <a:endParaRPr lang="zh-TW" dirty="0"/>
+            <a:endParaRPr lang="zh-TW"/>
           </a:p>
         </p:txBody>
       </p:sp>
@@ -3682,7 +3682,7 @@
         </p:nvCxnSpPr>
         <p:spPr>
           <a:xfrm rot="5400000">
-            <a:off x="6143626" y="1314450"/>
+            <a:off x="6143626" y="2305050"/>
             <a:ext cx="352425" cy="1076325"/>
           </a:xfrm>
           <a:prstGeom prst="line">
@@ -3720,7 +3720,7 @@
         </p:blipFill>
         <p:spPr>
           <a:xfrm rot="5400000">
-            <a:off x="4024708" y="4799909"/>
+            <a:off x="4024708" y="5104709"/>
             <a:ext cx="1080000" cy="14583"/>
           </a:xfrm>
           <a:prstGeom prst="rect">
@@ -3739,7 +3739,7 @@
         </p:nvSpPr>
         <p:spPr>
           <a:xfrm>
-            <a:off x="4476750" y="4124325"/>
+            <a:off x="4476750" y="4429125"/>
             <a:ext cx="152400" cy="1295400"/>
           </a:xfrm>
           <a:prstGeom prst="rect">
@@ -3860,7 +3860,7 @@
           </a:lstStyle>
           <a:p>
             <a:pPr algn="ctr"/>
-            <a:endParaRPr lang="en-US" dirty="0"/>
+            <a:endParaRPr lang="en-US"/>
           </a:p>
         </p:txBody>
       </p:sp>
@@ -3872,7 +3872,7 @@
         </p:nvSpPr>
         <p:spPr>
           <a:xfrm>
-            <a:off x="4191000" y="4038600"/>
+            <a:off x="4191000" y="4343400"/>
             <a:ext cx="762000" cy="1524000"/>
           </a:xfrm>
           <a:prstGeom prst="rect">
@@ -3993,7 +3993,7 @@
           </a:lstStyle>
           <a:p>
             <a:pPr algn="ctr"/>
-            <a:endParaRPr lang="en-US" dirty="0"/>
+            <a:endParaRPr lang="en-US"/>
           </a:p>
         </p:txBody>
       </p:sp>
@@ -4005,7 +4005,7 @@
         </p:nvSpPr>
         <p:spPr>
           <a:xfrm>
-            <a:off x="5257800" y="4267200"/>
+            <a:off x="5257800" y="4572000"/>
             <a:ext cx="1524000" cy="304800"/>
           </a:xfrm>
           <a:prstGeom prst="rect">
@@ -4126,14 +4126,13 @@
           <a:p>
             <a:pPr algn="ctr"/>
             <a:r>
-              <a:rPr lang="en-US" altLang="zh-TW" dirty="0" err="1" smtClean="0"/>
+              <a:rPr lang="en-US" altLang="zh-TW" err="1" smtClean="0"/>
               <a:t>span.hsep</a:t>
             </a:r>
             <a:r>
-              <a:rPr lang="en-US" altLang="zh-TW" dirty="0" smtClean="0"/>
+              <a:rPr lang="en-US" altLang="zh-TW" smtClean="0"/>
               <a:t>-bar</a:t>
             </a:r>
-            <a:endParaRPr lang="en-US" altLang="zh-TW" dirty="0" smtClean="0"/>
           </a:p>
         </p:txBody>
       </p:sp>
@@ -4148,7 +4147,7 @@
         </p:nvCxnSpPr>
         <p:spPr>
           <a:xfrm rot="5400000">
-            <a:off x="5224463" y="3976687"/>
+            <a:off x="5224463" y="4281487"/>
             <a:ext cx="200025" cy="1390650"/>
           </a:xfrm>
           <a:prstGeom prst="line">
@@ -4178,7 +4177,7 @@
         </p:nvSpPr>
         <p:spPr>
           <a:xfrm>
-            <a:off x="1371600" y="4267200"/>
+            <a:off x="1371600" y="4572000"/>
             <a:ext cx="2590800" cy="381000"/>
           </a:xfrm>
           <a:prstGeom prst="rect">
@@ -4298,22 +4297,22 @@
           </a:lstStyle>
           <a:p>
             <a:r>
-              <a:rPr lang="en-US" altLang="zh-TW" dirty="0" err="1" smtClean="0"/>
+              <a:rPr lang="en-US" altLang="zh-TW" err="1" smtClean="0"/>
               <a:t>span.hsep</a:t>
             </a:r>
             <a:r>
-              <a:rPr lang="en-US" altLang="zh-TW" dirty="0" smtClean="0"/>
+              <a:rPr lang="en-US" altLang="zh-TW" smtClean="0"/>
               <a:t>, </a:t>
             </a:r>
             <a:r>
-              <a:rPr lang="en-US" altLang="zh-TW" dirty="0" err="1" smtClean="0"/>
+              <a:rPr lang="en-US" altLang="zh-TW" err="1" smtClean="0"/>
               <a:t>span.hsep</a:t>
             </a:r>
             <a:r>
-              <a:rPr lang="en-US" altLang="zh-TW" dirty="0" smtClean="0"/>
+              <a:rPr lang="en-US" altLang="zh-TW" smtClean="0"/>
               <a:t>-bar</a:t>
             </a:r>
-            <a:endParaRPr lang="zh-TW" altLang="en-US" dirty="0"/>
+            <a:endParaRPr lang="zh-TW" altLang="en-US"/>
           </a:p>
         </p:txBody>
       </p:sp>
@@ -4328,7 +4327,7 @@
         </p:nvCxnSpPr>
         <p:spPr>
           <a:xfrm rot="16200000" flipH="1">
-            <a:off x="3352800" y="3962400"/>
+            <a:off x="3352800" y="4267200"/>
             <a:ext cx="152400" cy="1524000"/>
           </a:xfrm>
           <a:prstGeom prst="line">
@@ -4350,6 +4349,60 @@
           </a:fontRef>
         </p:style>
       </p:cxnSp>
+      <p:pic>
+        <p:nvPicPr>
+          <p:cNvPr id="16" name="Picture 15" descr="dot.gif"/>
+          <p:cNvPicPr>
+            <a:picLocks noChangeAspect="1"/>
+          </p:cNvPicPr>
+          <p:nvPr/>
+        </p:nvPicPr>
+        <p:blipFill>
+          <a:blip r:embed="rId2"/>
+          <a:stretch>
+            <a:fillRect/>
+          </a:stretch>
+        </p:blipFill>
+        <p:spPr>
+          <a:xfrm>
+            <a:off x="1219200" y="609600"/>
+            <a:ext cx="2520000" cy="34028"/>
+          </a:xfrm>
+          <a:prstGeom prst="rect">
+            <a:avLst/>
+          </a:prstGeom>
+          <a:ln>
+            <a:noFill/>
+          </a:ln>
+        </p:spPr>
+      </p:pic>
+      <p:pic>
+        <p:nvPicPr>
+          <p:cNvPr id="17" name="Picture 16" descr="dot.gif"/>
+          <p:cNvPicPr>
+            <a:picLocks noChangeAspect="1"/>
+          </p:cNvPicPr>
+          <p:nvPr/>
+        </p:nvPicPr>
+        <p:blipFill>
+          <a:blip r:embed="rId2"/>
+          <a:stretch>
+            <a:fillRect/>
+          </a:stretch>
+        </p:blipFill>
+        <p:spPr>
+          <a:xfrm rot="5400000">
+            <a:off x="6020491" y="913709"/>
+            <a:ext cx="1080000" cy="14583"/>
+          </a:xfrm>
+          <a:prstGeom prst="rect">
+            <a:avLst/>
+          </a:prstGeom>
+          <a:ln>
+            <a:noFill/>
+          </a:ln>
+        </p:spPr>
+      </p:pic>
     </p:spTree>
   </p:cSld>
   <p:clrMapOvr>
